--- a/Week 4/Week 4.pptx
+++ b/Week 4/Week 4.pptx
@@ -146,7 +146,7 @@
   </p:defaultTextStyle>
   <p:extLst>
     <p:ext uri="{EFAFB233-063F-42B5-8137-9DF3F51BA10A}">
-      <p15:sldGuideLst xmlns="" xmlns:p15="http://schemas.microsoft.com/office/powerpoint/2012/main">
+      <p15:sldGuideLst xmlns:p15="http://schemas.microsoft.com/office/powerpoint/2012/main" xmlns="">
         <p15:guide id="1" orient="horz" pos="2160">
           <p15:clr>
             <a:srgbClr val="A4A3A4"/>
@@ -3893,11 +3893,7 @@
           <a:p>
             <a:r>
               <a:rPr lang="en-US" dirty="0" smtClean="0"/>
-              <a:t>Bluetooth </a:t>
-            </a:r>
-            <a:r>
-              <a:rPr lang="en-US" dirty="0" smtClean="0"/>
-              <a:t>Communication</a:t>
+              <a:t>Bluetooth Communication</a:t>
             </a:r>
           </a:p>
           <a:p>
@@ -3905,16 +3901,11 @@
               <a:rPr lang="en-US" dirty="0" smtClean="0"/>
               <a:t>Fancy Graphics</a:t>
             </a:r>
-            <a:endParaRPr lang="en-US" dirty="0" smtClean="0"/>
-          </a:p>
-          <a:p>
-            <a:r>
-              <a:rPr lang="en-US" dirty="0" smtClean="0"/>
-              <a:t>Misc</a:t>
-            </a:r>
-            <a:r>
-              <a:rPr lang="en-US" dirty="0" smtClean="0"/>
-              <a:t>. DSP concepts</a:t>
+          </a:p>
+          <a:p>
+            <a:r>
+              <a:rPr lang="en-US" dirty="0" smtClean="0"/>
+              <a:t>Misc. DSP concepts</a:t>
             </a:r>
           </a:p>
           <a:p>
@@ -4652,6 +4643,13 @@
   <p:clrMapOvr>
     <a:masterClrMapping/>
   </p:clrMapOvr>
+  <p:timing>
+    <p:tnLst>
+      <p:par>
+        <p:cTn xmlns:p14="http://schemas.microsoft.com/office/powerpoint/2010/main" id="1" dur="indefinite" restart="never" nodeType="tmRoot"/>
+      </p:par>
+    </p:tnLst>
+  </p:timing>
 </p:sld>
 </file>
 
@@ -5108,11 +5106,7 @@
             <a:pPr lvl="1"/>
             <a:r>
               <a:rPr lang="en-US" dirty="0" smtClean="0"/>
-              <a:t>No “initialization” step, other than ensuring </a:t>
-            </a:r>
-            <a:r>
-              <a:rPr lang="en-US" dirty="0" smtClean="0"/>
-              <a:t>that Proximity is checked</a:t>
+              <a:t>No “initialization” step, other than ensuring that Proximity is checked</a:t>
             </a:r>
           </a:p>
           <a:p>
@@ -5131,7 +5125,6 @@
               <a:rPr lang="en-US" dirty="0" smtClean="0"/>
               <a:t> we need to set in our Package manifest</a:t>
             </a:r>
-            <a:endParaRPr lang="en-US" dirty="0" smtClean="0"/>
           </a:p>
           <a:p>
             <a:pPr lvl="1"/>
@@ -6418,6 +6411,13 @@
   <p:clrMapOvr>
     <a:masterClrMapping/>
   </p:clrMapOvr>
+  <p:timing>
+    <p:tnLst>
+      <p:par>
+        <p:cTn xmlns:p14="http://schemas.microsoft.com/office/powerpoint/2010/main" id="1" dur="indefinite" restart="never" nodeType="tmRoot"/>
+      </p:par>
+    </p:tnLst>
+  </p:timing>
 </p:sld>
 </file>
 
@@ -7432,7 +7432,7 @@
                 </a:highlight>
                 <a:latin typeface="Consolas" panose="020B0609020204030204" pitchFamily="49" charset="0"/>
               </a:rPr>
-              <a:t>sock.OutputStream</a:t>
+              <a:t>s.OutputStream</a:t>
             </a:r>
             <a:r>
               <a:rPr lang="en-US" sz="1700" dirty="0" smtClean="0">
@@ -7557,7 +7557,7 @@
                 </a:highlight>
                 <a:latin typeface="Consolas" panose="020B0609020204030204" pitchFamily="49" charset="0"/>
               </a:rPr>
-              <a:t>sock.InputStream</a:t>
+              <a:t>s.InputStream</a:t>
             </a:r>
             <a:r>
               <a:rPr lang="en-US" sz="1700" dirty="0">
@@ -8969,11 +8969,7 @@
             </a:r>
             <a:r>
               <a:rPr lang="en-US" dirty="0" smtClean="0"/>
-              <a:t> </a:t>
-            </a:r>
-            <a:r>
-              <a:rPr lang="en-US" dirty="0" smtClean="0"/>
-              <a:t>Live Demo</a:t>
+              <a:t> Live Demo</a:t>
             </a:r>
             <a:endParaRPr lang="en-US" dirty="0"/>
           </a:p>
@@ -9099,11 +9095,7 @@
             <a:pPr lvl="1"/>
             <a:r>
               <a:rPr lang="en-US" dirty="0" smtClean="0"/>
-              <a:t> Can be used to drastically increase signal-to-noise </a:t>
-            </a:r>
-            <a:r>
-              <a:rPr lang="en-US" dirty="0" smtClean="0"/>
-              <a:t>ratio</a:t>
+              <a:t> Can be used to drastically increase signal-to-noise ratio</a:t>
             </a:r>
           </a:p>
           <a:p>
@@ -9153,6 +9145,13 @@
   <p:clrMapOvr>
     <a:masterClrMapping/>
   </p:clrMapOvr>
+  <p:timing>
+    <p:tnLst>
+      <p:par>
+        <p:cTn xmlns:p14="http://schemas.microsoft.com/office/powerpoint/2010/main" id="1" dur="indefinite" restart="never" nodeType="tmRoot"/>
+      </p:par>
+    </p:tnLst>
+  </p:timing>
 </p:sld>
 </file>
 
@@ -9309,6 +9308,13 @@
   <p:clrMapOvr>
     <a:masterClrMapping/>
   </p:clrMapOvr>
+  <p:timing>
+    <p:tnLst>
+      <p:par>
+        <p:cTn xmlns:p14="http://schemas.microsoft.com/office/powerpoint/2010/main" id="1" dur="indefinite" restart="never" nodeType="tmRoot"/>
+      </p:par>
+    </p:tnLst>
+  </p:timing>
 </p:sld>
 </file>
 
@@ -9475,6 +9481,13 @@
   <p:clrMapOvr>
     <a:masterClrMapping/>
   </p:clrMapOvr>
+  <p:timing>
+    <p:tnLst>
+      <p:par>
+        <p:cTn xmlns:p14="http://schemas.microsoft.com/office/powerpoint/2010/main" id="1" dur="indefinite" restart="never" nodeType="tmRoot"/>
+      </p:par>
+    </p:tnLst>
+  </p:timing>
 </p:sld>
 </file>
 
@@ -9641,6 +9654,13 @@
   <p:clrMapOvr>
     <a:masterClrMapping/>
   </p:clrMapOvr>
+  <p:timing>
+    <p:tnLst>
+      <p:par>
+        <p:cTn xmlns:p14="http://schemas.microsoft.com/office/powerpoint/2010/main" id="1" dur="indefinite" restart="never" nodeType="tmRoot"/>
+      </p:par>
+    </p:tnLst>
+  </p:timing>
 </p:sld>
 </file>
 
@@ -9807,6 +9827,13 @@
   <p:clrMapOvr>
     <a:masterClrMapping/>
   </p:clrMapOvr>
+  <p:timing>
+    <p:tnLst>
+      <p:par>
+        <p:cTn xmlns:p14="http://schemas.microsoft.com/office/powerpoint/2010/main" id="1" dur="indefinite" restart="never" nodeType="tmRoot"/>
+      </p:par>
+    </p:tnLst>
+  </p:timing>
 </p:sld>
 </file>
 
@@ -9973,6 +10000,13 @@
   <p:clrMapOvr>
     <a:masterClrMapping/>
   </p:clrMapOvr>
+  <p:timing>
+    <p:tnLst>
+      <p:par>
+        <p:cTn xmlns:p14="http://schemas.microsoft.com/office/powerpoint/2010/main" id="1" dur="indefinite" restart="never" nodeType="tmRoot"/>
+      </p:par>
+    </p:tnLst>
+  </p:timing>
 </p:sld>
 </file>
 
@@ -10139,6 +10173,13 @@
   <p:clrMapOvr>
     <a:masterClrMapping/>
   </p:clrMapOvr>
+  <p:timing>
+    <p:tnLst>
+      <p:par>
+        <p:cTn xmlns:p14="http://schemas.microsoft.com/office/powerpoint/2010/main" id="1" dur="indefinite" restart="never" nodeType="tmRoot"/>
+      </p:par>
+    </p:tnLst>
+  </p:timing>
 </p:sld>
 </file>
 
@@ -10305,6 +10346,13 @@
   <p:clrMapOvr>
     <a:masterClrMapping/>
   </p:clrMapOvr>
+  <p:timing>
+    <p:tnLst>
+      <p:par>
+        <p:cTn xmlns:p14="http://schemas.microsoft.com/office/powerpoint/2010/main" id="1" dur="indefinite" restart="never" nodeType="tmRoot"/>
+      </p:par>
+    </p:tnLst>
+  </p:timing>
 </p:sld>
 </file>
 
@@ -10469,6 +10517,13 @@
   <p:clrMapOvr>
     <a:masterClrMapping/>
   </p:clrMapOvr>
+  <p:timing>
+    <p:tnLst>
+      <p:par>
+        <p:cTn xmlns:p14="http://schemas.microsoft.com/office/powerpoint/2010/main" id="1" dur="indefinite" restart="never" nodeType="tmRoot"/>
+      </p:par>
+    </p:tnLst>
+  </p:timing>
 </p:sld>
 </file>
 
@@ -10641,6 +10696,13 @@
   <p:clrMapOvr>
     <a:masterClrMapping/>
   </p:clrMapOvr>
+  <p:timing>
+    <p:tnLst>
+      <p:par>
+        <p:cTn xmlns:p14="http://schemas.microsoft.com/office/powerpoint/2010/main" id="1" dur="indefinite" restart="never" nodeType="tmRoot"/>
+      </p:par>
+    </p:tnLst>
+  </p:timing>
 </p:sld>
 </file>
 
@@ -10824,6 +10886,13 @@
   <p:clrMapOvr>
     <a:masterClrMapping/>
   </p:clrMapOvr>
+  <p:timing>
+    <p:tnLst>
+      <p:par>
+        <p:cTn xmlns:p14="http://schemas.microsoft.com/office/powerpoint/2010/main" id="1" dur="indefinite" restart="never" nodeType="tmRoot"/>
+      </p:par>
+    </p:tnLst>
+  </p:timing>
 </p:sld>
 </file>
 
@@ -10896,6 +10965,13 @@
   <p:clrMapOvr>
     <a:masterClrMapping/>
   </p:clrMapOvr>
+  <p:timing>
+    <p:tnLst>
+      <p:par>
+        <p:cTn xmlns:p14="http://schemas.microsoft.com/office/powerpoint/2010/main" id="1" dur="indefinite" restart="never" nodeType="tmRoot"/>
+      </p:par>
+    </p:tnLst>
+  </p:timing>
 </p:sld>
 </file>
 
@@ -11093,6 +11169,13 @@
   <p:clrMapOvr>
     <a:masterClrMapping/>
   </p:clrMapOvr>
+  <p:timing>
+    <p:tnLst>
+      <p:par>
+        <p:cTn xmlns:p14="http://schemas.microsoft.com/office/powerpoint/2010/main" id="1" dur="indefinite" restart="never" nodeType="tmRoot"/>
+      </p:par>
+    </p:tnLst>
+  </p:timing>
 </p:sld>
 </file>
 
@@ -11501,11 +11584,7 @@
             </a:r>
             <a:r>
               <a:rPr lang="en-US" dirty="0" smtClean="0"/>
-              <a:t> if the USB is plugged in</a:t>
-            </a:r>
-            <a:r>
-              <a:rPr lang="en-US" dirty="0" smtClean="0"/>
-              <a:t>!</a:t>
+              <a:t> if the USB is plugged in!</a:t>
             </a:r>
           </a:p>
           <a:p>
@@ -11515,11 +11594,7 @@
           <a:p>
             <a:r>
               <a:rPr lang="en-US" dirty="0" smtClean="0"/>
-              <a:t>USB </a:t>
-            </a:r>
-            <a:r>
-              <a:rPr lang="en-US" dirty="0" smtClean="0"/>
-              <a:t>serial output on the </a:t>
+              <a:t>USB serial output on the </a:t>
             </a:r>
             <a:r>
               <a:rPr lang="en-US" dirty="0" err="1" smtClean="0"/>
@@ -11529,21 +11604,12 @@
               <a:rPr lang="en-US" dirty="0" smtClean="0"/>
               <a:t> is a great tool</a:t>
             </a:r>
-            <a:endParaRPr lang="en-US" dirty="0" smtClean="0"/>
-          </a:p>
-          <a:p>
-            <a:pPr lvl="1"/>
-            <a:r>
-              <a:rPr lang="en-US" dirty="0" smtClean="0"/>
-              <a:t>Open the </a:t>
-            </a:r>
-            <a:r>
-              <a:rPr lang="en-US" dirty="0" smtClean="0"/>
-              <a:t>Serial </a:t>
-            </a:r>
-            <a:r>
-              <a:rPr lang="en-US" dirty="0" smtClean="0"/>
-              <a:t>Terminal in the </a:t>
+          </a:p>
+          <a:p>
+            <a:pPr lvl="1"/>
+            <a:r>
+              <a:rPr lang="en-US" dirty="0" smtClean="0"/>
+              <a:t>Open the Serial Terminal in the </a:t>
             </a:r>
             <a:r>
               <a:rPr lang="en-US" dirty="0" err="1" smtClean="0"/>
@@ -11932,6 +11998,13 @@
   <p:clrMapOvr>
     <a:masterClrMapping/>
   </p:clrMapOvr>
+  <p:timing>
+    <p:tnLst>
+      <p:par>
+        <p:cTn xmlns:p14="http://schemas.microsoft.com/office/powerpoint/2010/main" id="1" dur="indefinite" restart="never" nodeType="tmRoot"/>
+      </p:par>
+    </p:tnLst>
+  </p:timing>
 </p:sld>
 </file>
 
@@ -12027,13 +12100,8 @@
             <a:pPr lvl="1"/>
             <a:r>
               <a:rPr lang="en-US" dirty="0" smtClean="0"/>
-              <a:t>It uses DirectX to plot a </a:t>
-            </a:r>
-            <a:r>
-              <a:rPr lang="en-US" dirty="0" smtClean="0"/>
-              <a:t>line (400+ lines of C++!)</a:t>
-            </a:r>
-            <a:endParaRPr lang="en-US" dirty="0" smtClean="0"/>
+              <a:t>It uses DirectX to plot a line (400+ lines of C++!)</a:t>
+            </a:r>
           </a:p>
           <a:p>
             <a:pPr lvl="1"/>
@@ -12065,11 +12133,7 @@
             <a:pPr lvl="2"/>
             <a:r>
               <a:rPr lang="en-US" dirty="0" smtClean="0"/>
-              <a:t>Include </a:t>
-            </a:r>
-            <a:r>
-              <a:rPr lang="en-US" dirty="0" smtClean="0"/>
-              <a:t>an </a:t>
+              <a:t>Include an </a:t>
             </a:r>
             <a:r>
               <a:rPr lang="en-US" dirty="0" smtClean="0">
@@ -12085,11 +12149,7 @@
             </a:r>
             <a:r>
               <a:rPr lang="en-US" dirty="0" smtClean="0"/>
-              <a:t> </a:t>
-            </a:r>
-            <a:r>
-              <a:rPr lang="en-US" dirty="0" smtClean="0"/>
-              <a:t>XAML element in your XAML</a:t>
+              <a:t> XAML element in your XAML</a:t>
             </a:r>
           </a:p>
           <a:p>
@@ -12119,11 +12179,7 @@
             <a:pPr lvl="2"/>
             <a:r>
               <a:rPr lang="en-US" dirty="0" smtClean="0"/>
-              <a:t>Hook </a:t>
-            </a:r>
-            <a:r>
-              <a:rPr lang="en-US" dirty="0" smtClean="0"/>
-              <a:t>the </a:t>
+              <a:t>Hook the </a:t>
             </a:r>
             <a:r>
               <a:rPr lang="en-US" dirty="0" err="1">
@@ -12720,6 +12776,13 @@
   <p:clrMapOvr>
     <a:masterClrMapping/>
   </p:clrMapOvr>
+  <p:timing>
+    <p:tnLst>
+      <p:par>
+        <p:cTn xmlns:p14="http://schemas.microsoft.com/office/powerpoint/2010/main" id="1" dur="indefinite" restart="never" nodeType="tmRoot"/>
+      </p:par>
+    </p:tnLst>
+  </p:timing>
 </p:sld>
 </file>
 
@@ -12987,6 +13050,13 @@
   <p:clrMapOvr>
     <a:masterClrMapping/>
   </p:clrMapOvr>
+  <p:timing>
+    <p:tnLst>
+      <p:par>
+        <p:cTn xmlns:p14="http://schemas.microsoft.com/office/powerpoint/2010/main" id="1" dur="indefinite" restart="never" nodeType="tmRoot"/>
+      </p:par>
+    </p:tnLst>
+  </p:timing>
 </p:sld>
 </file>
 
@@ -13844,6 +13914,13 @@
   <p:clrMapOvr>
     <a:masterClrMapping/>
   </p:clrMapOvr>
+  <p:timing>
+    <p:tnLst>
+      <p:par>
+        <p:cTn xmlns:p14="http://schemas.microsoft.com/office/powerpoint/2010/main" id="1" dur="indefinite" restart="never" nodeType="tmRoot"/>
+      </p:par>
+    </p:tnLst>
+  </p:timing>
 </p:sld>
 </file>
 

--- a/Week 4/Week 4.pptx
+++ b/Week 4/Week 4.pptx
@@ -146,7 +146,7 @@
   </p:defaultTextStyle>
   <p:extLst>
     <p:ext uri="{EFAFB233-063F-42B5-8137-9DF3F51BA10A}">
-      <p15:sldGuideLst xmlns:p15="http://schemas.microsoft.com/office/powerpoint/2012/main" xmlns="">
+      <p15:sldGuideLst xmlns="" xmlns:p15="http://schemas.microsoft.com/office/powerpoint/2012/main">
         <p15:guide id="1" orient="horz" pos="2160">
           <p15:clr>
             <a:srgbClr val="A4A3A4"/>
@@ -245,7 +245,7 @@
           <a:p>
             <a:fld id="{90AF4669-11A5-AA4B-ACB6-1CD3E71EA0D2}" type="datetimeFigureOut">
               <a:rPr lang="en-US" smtClean="0"/>
-              <a:t>1/29/15</a:t>
+              <a:t>1/30/15</a:t>
             </a:fld>
             <a:endParaRPr lang="en-US"/>
           </a:p>
@@ -803,7 +803,7 @@
           <a:p>
             <a:fld id="{C95D1B94-35C6-4950-B226-D68A01DA1DCF}" type="datetimeFigureOut">
               <a:rPr lang="en-US" smtClean="0"/>
-              <a:t>1/29/15</a:t>
+              <a:t>1/30/15</a:t>
             </a:fld>
             <a:endParaRPr lang="en-US"/>
           </a:p>
@@ -968,7 +968,7 @@
           <a:p>
             <a:fld id="{C95D1B94-35C6-4950-B226-D68A01DA1DCF}" type="datetimeFigureOut">
               <a:rPr lang="en-US" smtClean="0"/>
-              <a:t>1/29/15</a:t>
+              <a:t>1/30/15</a:t>
             </a:fld>
             <a:endParaRPr lang="en-US"/>
           </a:p>
@@ -1143,7 +1143,7 @@
           <a:p>
             <a:fld id="{C95D1B94-35C6-4950-B226-D68A01DA1DCF}" type="datetimeFigureOut">
               <a:rPr lang="en-US" smtClean="0"/>
-              <a:t>1/29/15</a:t>
+              <a:t>1/30/15</a:t>
             </a:fld>
             <a:endParaRPr lang="en-US"/>
           </a:p>
@@ -1326,7 +1326,7 @@
           <a:p>
             <a:fld id="{C95D1B94-35C6-4950-B226-D68A01DA1DCF}" type="datetimeFigureOut">
               <a:rPr lang="en-US" smtClean="0"/>
-              <a:t>1/29/15</a:t>
+              <a:t>1/30/15</a:t>
             </a:fld>
             <a:endParaRPr lang="en-US"/>
           </a:p>
@@ -1588,7 +1588,7 @@
           <a:p>
             <a:fld id="{C95D1B94-35C6-4950-B226-D68A01DA1DCF}" type="datetimeFigureOut">
               <a:rPr lang="en-US" smtClean="0"/>
-              <a:t>1/29/15</a:t>
+              <a:t>1/30/15</a:t>
             </a:fld>
             <a:endParaRPr lang="en-US"/>
           </a:p>
@@ -1936,7 +1936,7 @@
           <a:p>
             <a:fld id="{C95D1B94-35C6-4950-B226-D68A01DA1DCF}" type="datetimeFigureOut">
               <a:rPr lang="en-US" smtClean="0"/>
-              <a:t>1/29/15</a:t>
+              <a:t>1/30/15</a:t>
             </a:fld>
             <a:endParaRPr lang="en-US"/>
           </a:p>
@@ -2244,7 +2244,7 @@
           <a:p>
             <a:fld id="{C95D1B94-35C6-4950-B226-D68A01DA1DCF}" type="datetimeFigureOut">
               <a:rPr lang="en-US" smtClean="0"/>
-              <a:t>1/29/15</a:t>
+              <a:t>1/30/15</a:t>
             </a:fld>
             <a:endParaRPr lang="en-US"/>
           </a:p>
@@ -2471,7 +2471,7 @@
           <a:p>
             <a:fld id="{C95D1B94-35C6-4950-B226-D68A01DA1DCF}" type="datetimeFigureOut">
               <a:rPr lang="en-US" smtClean="0"/>
-              <a:t>1/29/15</a:t>
+              <a:t>1/30/15</a:t>
             </a:fld>
             <a:endParaRPr lang="en-US"/>
           </a:p>
@@ -2561,7 +2561,7 @@
           <a:p>
             <a:fld id="{C95D1B94-35C6-4950-B226-D68A01DA1DCF}" type="datetimeFigureOut">
               <a:rPr lang="en-US" smtClean="0"/>
-              <a:t>1/29/15</a:t>
+              <a:t>1/30/15</a:t>
             </a:fld>
             <a:endParaRPr lang="en-US"/>
           </a:p>
@@ -2849,7 +2849,7 @@
           <a:p>
             <a:fld id="{C95D1B94-35C6-4950-B226-D68A01DA1DCF}" type="datetimeFigureOut">
               <a:rPr lang="en-US" smtClean="0"/>
-              <a:t>1/29/15</a:t>
+              <a:t>1/30/15</a:t>
             </a:fld>
             <a:endParaRPr lang="en-US"/>
           </a:p>
@@ -3118,7 +3118,7 @@
           <a:p>
             <a:fld id="{C95D1B94-35C6-4950-B226-D68A01DA1DCF}" type="datetimeFigureOut">
               <a:rPr lang="en-US" smtClean="0"/>
-              <a:t>1/29/15</a:t>
+              <a:t>1/30/15</a:t>
             </a:fld>
             <a:endParaRPr lang="en-US"/>
           </a:p>
@@ -3328,7 +3328,7 @@
           <a:p>
             <a:fld id="{C95D1B94-35C6-4950-B226-D68A01DA1DCF}" type="datetimeFigureOut">
               <a:rPr lang="en-US" smtClean="0"/>
-              <a:t>1/29/15</a:t>
+              <a:t>1/30/15</a:t>
             </a:fld>
             <a:endParaRPr lang="en-US"/>
           </a:p>
@@ -10330,7 +10330,15 @@
             <a:pPr lvl="1"/>
             <a:r>
               <a:rPr lang="en-US" dirty="0" smtClean="0"/>
-              <a:t>Should total no more than $60 dollars overall (pre-tax)</a:t>
+              <a:t>Should total no more than </a:t>
+            </a:r>
+            <a:r>
+              <a:rPr lang="en-US" dirty="0" smtClean="0"/>
+              <a:t>$40 </a:t>
+            </a:r>
+            <a:r>
+              <a:rPr lang="en-US" dirty="0" smtClean="0"/>
+              <a:t>dollars overall (pre-tax)</a:t>
             </a:r>
             <a:endParaRPr lang="en-US" dirty="0"/>
           </a:p>
@@ -11779,23 +11787,11 @@
           <a:p>
             <a:r>
               <a:rPr lang="en-US" dirty="0" smtClean="0"/>
-              <a:t>USB to TTL converter (</a:t>
-            </a:r>
-            <a:r>
-              <a:rPr lang="en-US" dirty="0" smtClean="0">
-                <a:hlinkClick r:id="rId4"/>
-              </a:rPr>
-              <a:t>$20 on Amazon</a:t>
-            </a:r>
-            <a:r>
-              <a:rPr lang="en-US" dirty="0" smtClean="0"/>
-              <a:t>)</a:t>
-            </a:r>
-          </a:p>
-          <a:p>
-            <a:r>
-              <a:rPr lang="en-US" dirty="0" smtClean="0"/>
-              <a:t>Battery with female JST connector (</a:t>
+              <a:t>Battery </a:t>
+            </a:r>
+            <a:r>
+              <a:rPr lang="en-US" dirty="0" smtClean="0"/>
+              <a:t>with female JST connector (</a:t>
             </a:r>
             <a:r>
               <a:rPr lang="en-US" dirty="0" smtClean="0">
@@ -11839,14 +11835,11 @@
             <a:pPr lvl="1"/>
             <a:r>
               <a:rPr lang="en-US" dirty="0" smtClean="0"/>
-              <a:t>You could conceivably get cheaper parts, esp. in the USB -&gt; TTL dept.</a:t>
-            </a:r>
-          </a:p>
-          <a:p>
-            <a:pPr lvl="1"/>
-            <a:r>
-              <a:rPr lang="en-US" dirty="0" smtClean="0"/>
-              <a:t>These are the ones I know work, using other parts YMMV</a:t>
+              <a:t>These </a:t>
+            </a:r>
+            <a:r>
+              <a:rPr lang="en-US" dirty="0" smtClean="0"/>
+              <a:t>are the ones I know work, using other parts YMMV</a:t>
             </a:r>
           </a:p>
         </p:txBody>
